--- a/crash-course/20230624-shell-js-python-php/shell.pptx
+++ b/crash-course/20230624-shell-js-python-php/shell.pptx
@@ -199,7 +199,7 @@
           <a:p>
             <a:fld id="{23A89A84-B49D-4BBC-B2F1-D40A0CCB7390}" type="datetimeFigureOut">
               <a:rPr lang="en-CA" smtClean="0"/>
-              <a:t>2023-06-21</a:t>
+              <a:t>2023-06-24</a:t>
             </a:fld>
             <a:endParaRPr lang="en-CA"/>
           </a:p>
@@ -969,7 +969,7 @@
           <a:p>
             <a:fld id="{A857E3B2-F749-45FE-9390-A42869309754}" type="datetimeFigureOut">
               <a:rPr lang="en-CA" smtClean="0"/>
-              <a:t>2023-06-21</a:t>
+              <a:t>2023-06-24</a:t>
             </a:fld>
             <a:endParaRPr lang="en-CA"/>
           </a:p>
@@ -1258,7 +1258,7 @@
           <a:p>
             <a:fld id="{A857E3B2-F749-45FE-9390-A42869309754}" type="datetimeFigureOut">
               <a:rPr lang="en-CA" smtClean="0"/>
-              <a:t>2023-06-21</a:t>
+              <a:t>2023-06-24</a:t>
             </a:fld>
             <a:endParaRPr lang="en-CA"/>
           </a:p>
@@ -1458,7 +1458,7 @@
           <a:p>
             <a:fld id="{A857E3B2-F749-45FE-9390-A42869309754}" type="datetimeFigureOut">
               <a:rPr lang="en-CA" smtClean="0"/>
-              <a:t>2023-06-21</a:t>
+              <a:t>2023-06-24</a:t>
             </a:fld>
             <a:endParaRPr lang="en-CA"/>
           </a:p>
@@ -1668,7 +1668,7 @@
           <a:p>
             <a:fld id="{A857E3B2-F749-45FE-9390-A42869309754}" type="datetimeFigureOut">
               <a:rPr lang="en-CA" smtClean="0"/>
-              <a:t>2023-06-21</a:t>
+              <a:t>2023-06-24</a:t>
             </a:fld>
             <a:endParaRPr lang="en-CA"/>
           </a:p>
@@ -2068,7 +2068,7 @@
           <a:p>
             <a:fld id="{A857E3B2-F749-45FE-9390-A42869309754}" type="datetimeFigureOut">
               <a:rPr lang="en-CA" smtClean="0"/>
-              <a:t>2023-06-21</a:t>
+              <a:t>2023-06-24</a:t>
             </a:fld>
             <a:endParaRPr lang="en-CA"/>
           </a:p>
@@ -2268,7 +2268,7 @@
           <a:p>
             <a:fld id="{A857E3B2-F749-45FE-9390-A42869309754}" type="datetimeFigureOut">
               <a:rPr lang="en-CA" smtClean="0"/>
-              <a:t>2023-06-21</a:t>
+              <a:t>2023-06-24</a:t>
             </a:fld>
             <a:endParaRPr lang="en-CA"/>
           </a:p>
@@ -2544,7 +2544,7 @@
           <a:p>
             <a:fld id="{A857E3B2-F749-45FE-9390-A42869309754}" type="datetimeFigureOut">
               <a:rPr lang="en-CA" smtClean="0"/>
-              <a:t>2023-06-21</a:t>
+              <a:t>2023-06-24</a:t>
             </a:fld>
             <a:endParaRPr lang="en-CA"/>
           </a:p>
@@ -2812,7 +2812,7 @@
           <a:p>
             <a:fld id="{A857E3B2-F749-45FE-9390-A42869309754}" type="datetimeFigureOut">
               <a:rPr lang="en-CA" smtClean="0"/>
-              <a:t>2023-06-21</a:t>
+              <a:t>2023-06-24</a:t>
             </a:fld>
             <a:endParaRPr lang="en-CA"/>
           </a:p>
@@ -3227,7 +3227,7 @@
           <a:p>
             <a:fld id="{A857E3B2-F749-45FE-9390-A42869309754}" type="datetimeFigureOut">
               <a:rPr lang="en-CA" smtClean="0"/>
-              <a:t>2023-06-21</a:t>
+              <a:t>2023-06-24</a:t>
             </a:fld>
             <a:endParaRPr lang="en-CA"/>
           </a:p>
@@ -3369,7 +3369,7 @@
           <a:p>
             <a:fld id="{A857E3B2-F749-45FE-9390-A42869309754}" type="datetimeFigureOut">
               <a:rPr lang="en-CA" smtClean="0"/>
-              <a:t>2023-06-21</a:t>
+              <a:t>2023-06-24</a:t>
             </a:fld>
             <a:endParaRPr lang="en-CA"/>
           </a:p>
@@ -3482,7 +3482,7 @@
           <a:p>
             <a:fld id="{A857E3B2-F749-45FE-9390-A42869309754}" type="datetimeFigureOut">
               <a:rPr lang="en-CA" smtClean="0"/>
-              <a:t>2023-06-21</a:t>
+              <a:t>2023-06-24</a:t>
             </a:fld>
             <a:endParaRPr lang="en-CA"/>
           </a:p>
@@ -3725,7 +3725,7 @@
           <a:p>
             <a:fld id="{A857E3B2-F749-45FE-9390-A42869309754}" type="datetimeFigureOut">
               <a:rPr lang="en-CA" smtClean="0"/>
-              <a:t>2023-06-21</a:t>
+              <a:t>2023-06-24</a:t>
             </a:fld>
             <a:endParaRPr lang="en-CA"/>
           </a:p>
@@ -5053,7 +5053,7 @@
           <p:nvPr>
             <p:extLst>
               <p:ext uri="{D42A27DB-BD31-4B8C-83A1-F6EECF244321}">
-                <p14:modId xmlns:p14="http://schemas.microsoft.com/office/powerpoint/2010/main" val="661190185"/>
+                <p14:modId xmlns:p14="http://schemas.microsoft.com/office/powerpoint/2010/main" val="2197528230"/>
               </p:ext>
             </p:extLst>
           </p:nvPr>
@@ -5247,13 +5247,18 @@
                     <a:lstStyle/>
                     <a:p>
                       <a:r>
-                        <a:rPr lang="en-US" sz="1800" b="1" i="0" baseline="0" dirty="0">
+                        <a:rPr lang="en-US" sz="1800" b="1" i="0" baseline="0" dirty="0" err="1">
                           <a:solidFill>
                             <a:schemeClr val="tx1"/>
                           </a:solidFill>
                         </a:rPr>
-                        <a:t>rm -rf</a:t>
+                        <a:t>rmdir</a:t>
                       </a:r>
+                      <a:endParaRPr lang="en-US" sz="1800" b="1" i="0" baseline="0" dirty="0">
+                        <a:solidFill>
+                          <a:schemeClr val="tx1"/>
+                        </a:solidFill>
+                      </a:endParaRPr>
                     </a:p>
                   </a:txBody>
                   <a:tcPr>
@@ -5271,7 +5276,23 @@
                             <a:schemeClr val="tx1"/>
                           </a:solidFill>
                         </a:rPr>
-                        <a:t>Remove recursively and force</a:t>
+                        <a:t>Remove &lt;</a:t>
+                      </a:r>
+                      <a:r>
+                        <a:rPr lang="en-US" sz="1800" b="0" i="0" baseline="0" dirty="0" err="1">
+                          <a:solidFill>
+                            <a:schemeClr val="tx1"/>
+                          </a:solidFill>
+                        </a:rPr>
+                        <a:t>dir</a:t>
+                      </a:r>
+                      <a:r>
+                        <a:rPr lang="en-US" sz="1800" b="0" i="0" baseline="0" dirty="0">
+                          <a:solidFill>
+                            <a:schemeClr val="tx1"/>
+                          </a:solidFill>
+                        </a:rPr>
+                        <a:t> name&gt;</a:t>
                       </a:r>
                     </a:p>
                   </a:txBody>
@@ -5335,18 +5356,13 @@
                     <a:lstStyle/>
                     <a:p>
                       <a:r>
-                        <a:rPr lang="en-US" sz="1800" b="1" i="0" baseline="0" dirty="0" err="1">
+                        <a:rPr lang="en-US" sz="1800" b="1" i="0" baseline="0" dirty="0">
                           <a:solidFill>
                             <a:schemeClr val="tx1"/>
                           </a:solidFill>
                         </a:rPr>
-                        <a:t>rmdir</a:t>
+                        <a:t>rm –rf</a:t>
                       </a:r>
-                      <a:endParaRPr lang="en-US" sz="1800" b="1" i="0" baseline="0" dirty="0">
-                        <a:solidFill>
-                          <a:schemeClr val="tx1"/>
-                        </a:solidFill>
-                      </a:endParaRPr>
                     </a:p>
                   </a:txBody>
                   <a:tcPr>
@@ -5364,23 +5380,7 @@
                             <a:schemeClr val="tx1"/>
                           </a:solidFill>
                         </a:rPr>
-                        <a:t>Remove &lt;</a:t>
-                      </a:r>
-                      <a:r>
-                        <a:rPr lang="en-US" sz="1800" b="0" i="0" baseline="0" dirty="0" err="1">
-                          <a:solidFill>
-                            <a:schemeClr val="tx1"/>
-                          </a:solidFill>
-                        </a:rPr>
-                        <a:t>dir</a:t>
-                      </a:r>
-                      <a:r>
-                        <a:rPr lang="en-US" sz="1800" b="0" i="0" baseline="0" dirty="0">
-                          <a:solidFill>
-                            <a:schemeClr val="tx1"/>
-                          </a:solidFill>
-                        </a:rPr>
-                        <a:t> name&gt;</a:t>
+                        <a:t>Remove recursively and force</a:t>
                       </a:r>
                     </a:p>
                   </a:txBody>
